--- a/doc/test/AgendaSlidesTextBeforeSync.pptx
+++ b/doc/test/AgendaSlidesTextBeforeSync.pptx
@@ -293,7 +293,7 @@
           <a:p>
             <a:fld id="{C33977A5-270E-4E03-B118-17345E304686}" type="datetimeFigureOut">
               <a:rPr lang="en-US" smtClean="0"/>
-              <a:t>24-Jun-15</a:t>
+              <a:t>25-Jun-15</a:t>
             </a:fld>
             <a:endParaRPr lang="en-US"/>
           </a:p>
@@ -606,10 +606,18 @@
           <a:lstStyle/>
           <a:p>
             <a:r>
-              <a:rPr lang="en-US" smtClean="0"/>
-              <a:t>This notes page is used to store data - Do not edit the notes. T2JqZWN0cyB3aXRoIHNhbWUgbmFtZQ==@VW5uYW1lZCBTaGFwZSAyMDE1MDYyNDE3MjAxMzM4NzkxNw==@VW5uYW1lZCBTaGFwZSAyMDE1MDYyNDE3MjAxMzM4NzkxOA==@VW5uYW1lZCBTaGFwZSAyMDE1MDYyNDE3MjAxMzM4MjkxNA==@UFBUVGVtcGxhdGVNYXJrZXI=@UHB0TGFic0FnZW5kYV8mXkBDb250ZW50U2hhcGVfJl5AMjAxNTA2MTkxNjI4Mzg3Nzg1MA==@VW5uYW1lZCBTaGFwZSAyMDE1MDYyNDE3MjAxMzM4NTkxNQ==@VW5uYW1lZCBTaGFwZSAyMDE1MDYyNDE3MjAxMzM4NzkxOQ==@VW5uYW1lZCBTaGFwZSAyMDE1MDYyNDE3MjAxMzM4NzkyMA==@VW5uYW1lZCBTaGFwZSAyMDE1MDYyNDE3MjAxMzM4ODkyMQ==@VW5uYW1lZCBTaGFwZSAyMDE1MDYyNDE3MjAxMzM4NzkxNg==@1765571851</a:t>
-            </a:r>
-            <a:endParaRPr lang="en-US"/>
+              <a:rPr lang="en-US" dirty="0" smtClean="0"/>
+              <a:t>This notes page is used to store data - Do not edit the notes. VW5uYW1lZCBTaGFwZSAyMDE1MDYyNDE3MjAxMzM4NzkxOQ==@VW5uYW1lZCBTaGFwZSAyMDE1MDYyNDE3MjAxMzM4NzkxNw==@VW5uYW1lZCBTaGFwZSAyMDE1MDYyNDE3MjAxMzM4ODkyMQ==@</a:t>
+            </a:r>
+            <a:r>
+              <a:rPr lang="en-US" dirty="0" err="1" smtClean="0"/>
+              <a:t>UFBUVGVtcGxhdGVNYXJrZXI</a:t>
+            </a:r>
+            <a:r>
+              <a:rPr lang="en-US" smtClean="0"/>
+              <a:t>=@UHB0TGFic0FnZW5kYV8mXkBDb250ZW50U2hhcGVfJl5AMjAxNTA2MTkxNjI4Mzg3Nzg1MA==@VW5uYW1lZCBTaGFwZSAyMDE1MDYyNDE3MjAxMzM4NTkxNQ==@VW5uYW1lZCBTaGFwZSAyMDE1MDYyNDE3MjAxMzM4MjkxNA==@T2JqZWN0cyB3aXRoIHNhbWUgbmFtZQ==@VW5uYW1lZCBTaGFwZSAyMDE1MDYyNDE3MjAxMzM4NzkxOA==@VW5uYW1lZCBTaGFwZSAyMDE1MDYyNDE3MjAxMzM4NzkyMA==@VW5uYW1lZCBTaGFwZSAyMDE1MDYyNDE3MjAxMzM4NzkxNg==@1159760725</a:t>
+            </a:r>
+            <a:endParaRPr lang="en-US" dirty="0"/>
           </a:p>
         </p:txBody>
       </p:sp>
@@ -830,7 +838,7 @@
           <a:p>
             <a:fld id="{699DC775-C286-4358-8C92-D7E584E969B3}" type="datetimeFigureOut">
               <a:rPr lang="en-US" smtClean="0"/>
-              <a:t>24-Jun-15</a:t>
+              <a:t>25-Jun-15</a:t>
             </a:fld>
             <a:endParaRPr lang="en-US"/>
           </a:p>
@@ -1000,7 +1008,7 @@
           <a:p>
             <a:fld id="{699DC775-C286-4358-8C92-D7E584E969B3}" type="datetimeFigureOut">
               <a:rPr lang="en-US" smtClean="0"/>
-              <a:t>24-Jun-15</a:t>
+              <a:t>25-Jun-15</a:t>
             </a:fld>
             <a:endParaRPr lang="en-US"/>
           </a:p>
@@ -1180,7 +1188,7 @@
           <a:p>
             <a:fld id="{699DC775-C286-4358-8C92-D7E584E969B3}" type="datetimeFigureOut">
               <a:rPr lang="en-US" smtClean="0"/>
-              <a:t>24-Jun-15</a:t>
+              <a:t>25-Jun-15</a:t>
             </a:fld>
             <a:endParaRPr lang="en-US"/>
           </a:p>
@@ -1350,7 +1358,7 @@
           <a:p>
             <a:fld id="{699DC775-C286-4358-8C92-D7E584E969B3}" type="datetimeFigureOut">
               <a:rPr lang="en-US" smtClean="0"/>
-              <a:t>24-Jun-15</a:t>
+              <a:t>25-Jun-15</a:t>
             </a:fld>
             <a:endParaRPr lang="en-US"/>
           </a:p>
@@ -1592,7 +1600,7 @@
           <a:p>
             <a:fld id="{699DC775-C286-4358-8C92-D7E584E969B3}" type="datetimeFigureOut">
               <a:rPr lang="en-US" smtClean="0"/>
-              <a:t>24-Jun-15</a:t>
+              <a:t>25-Jun-15</a:t>
             </a:fld>
             <a:endParaRPr lang="en-US"/>
           </a:p>
@@ -1762,7 +1770,7 @@
           <a:p>
             <a:fld id="{699DC775-C286-4358-8C92-D7E584E969B3}" type="datetimeFigureOut">
               <a:rPr lang="en-US" smtClean="0"/>
-              <a:t>24-Jun-15</a:t>
+              <a:t>25-Jun-15</a:t>
             </a:fld>
             <a:endParaRPr lang="en-US"/>
           </a:p>
@@ -2008,7 +2016,7 @@
           <a:p>
             <a:fld id="{699DC775-C286-4358-8C92-D7E584E969B3}" type="datetimeFigureOut">
               <a:rPr lang="en-US" smtClean="0"/>
-              <a:t>24-Jun-15</a:t>
+              <a:t>25-Jun-15</a:t>
             </a:fld>
             <a:endParaRPr lang="en-US"/>
           </a:p>
@@ -2296,7 +2304,7 @@
           <a:p>
             <a:fld id="{699DC775-C286-4358-8C92-D7E584E969B3}" type="datetimeFigureOut">
               <a:rPr lang="en-US" smtClean="0"/>
-              <a:t>24-Jun-15</a:t>
+              <a:t>25-Jun-15</a:t>
             </a:fld>
             <a:endParaRPr lang="en-US"/>
           </a:p>
@@ -2718,7 +2726,7 @@
           <a:p>
             <a:fld id="{699DC775-C286-4358-8C92-D7E584E969B3}" type="datetimeFigureOut">
               <a:rPr lang="en-US" smtClean="0"/>
-              <a:t>24-Jun-15</a:t>
+              <a:t>25-Jun-15</a:t>
             </a:fld>
             <a:endParaRPr lang="en-US"/>
           </a:p>
@@ -2836,7 +2844,7 @@
           <a:p>
             <a:fld id="{699DC775-C286-4358-8C92-D7E584E969B3}" type="datetimeFigureOut">
               <a:rPr lang="en-US" smtClean="0"/>
-              <a:t>24-Jun-15</a:t>
+              <a:t>25-Jun-15</a:t>
             </a:fld>
             <a:endParaRPr lang="en-US"/>
           </a:p>
@@ -2931,7 +2939,7 @@
           <a:p>
             <a:fld id="{699DC775-C286-4358-8C92-D7E584E969B3}" type="datetimeFigureOut">
               <a:rPr lang="en-US" smtClean="0"/>
-              <a:t>24-Jun-15</a:t>
+              <a:t>25-Jun-15</a:t>
             </a:fld>
             <a:endParaRPr lang="en-US"/>
           </a:p>
@@ -3101,7 +3109,7 @@
           <a:p>
             <a:fld id="{699DC775-C286-4358-8C92-D7E584E969B3}" type="datetimeFigureOut">
               <a:rPr lang="en-US" smtClean="0"/>
-              <a:t>24-Jun-15</a:t>
+              <a:t>25-Jun-15</a:t>
             </a:fld>
             <a:endParaRPr lang="en-US"/>
           </a:p>
@@ -3378,7 +3386,7 @@
           <a:p>
             <a:fld id="{699DC775-C286-4358-8C92-D7E584E969B3}" type="datetimeFigureOut">
               <a:rPr lang="en-US" smtClean="0"/>
-              <a:t>24-Jun-15</a:t>
+              <a:t>25-Jun-15</a:t>
             </a:fld>
             <a:endParaRPr lang="en-US"/>
           </a:p>
@@ -3631,7 +3639,7 @@
           <a:p>
             <a:fld id="{699DC775-C286-4358-8C92-D7E584E969B3}" type="datetimeFigureOut">
               <a:rPr lang="en-US" smtClean="0"/>
-              <a:t>24-Jun-15</a:t>
+              <a:t>25-Jun-15</a:t>
             </a:fld>
             <a:endParaRPr lang="en-US"/>
           </a:p>
@@ -3801,7 +3809,7 @@
           <a:p>
             <a:fld id="{699DC775-C286-4358-8C92-D7E584E969B3}" type="datetimeFigureOut">
               <a:rPr lang="en-US" smtClean="0"/>
-              <a:t>24-Jun-15</a:t>
+              <a:t>25-Jun-15</a:t>
             </a:fld>
             <a:endParaRPr lang="en-US"/>
           </a:p>
@@ -3981,7 +3989,7 @@
           <a:p>
             <a:fld id="{699DC775-C286-4358-8C92-D7E584E969B3}" type="datetimeFigureOut">
               <a:rPr lang="en-US" smtClean="0"/>
-              <a:t>24-Jun-15</a:t>
+              <a:t>25-Jun-15</a:t>
             </a:fld>
             <a:endParaRPr lang="en-US"/>
           </a:p>
@@ -4151,7 +4159,7 @@
           <a:p>
             <a:fld id="{699DC775-C286-4358-8C92-D7E584E969B3}" type="datetimeFigureOut">
               <a:rPr lang="en-US" smtClean="0"/>
-              <a:t>24-Jun-15</a:t>
+              <a:t>25-Jun-15</a:t>
             </a:fld>
             <a:endParaRPr lang="en-US"/>
           </a:p>
@@ -4401,7 +4409,7 @@
           <a:p>
             <a:fld id="{699DC775-C286-4358-8C92-D7E584E969B3}" type="datetimeFigureOut">
               <a:rPr lang="en-US" smtClean="0"/>
-              <a:t>24-Jun-15</a:t>
+              <a:t>25-Jun-15</a:t>
             </a:fld>
             <a:endParaRPr lang="en-US"/>
           </a:p>
@@ -4579,7 +4587,7 @@
           <a:p>
             <a:fld id="{699DC775-C286-4358-8C92-D7E584E969B3}" type="datetimeFigureOut">
               <a:rPr lang="en-US" smtClean="0"/>
-              <a:t>24-Jun-15</a:t>
+              <a:t>25-Jun-15</a:t>
             </a:fld>
             <a:endParaRPr lang="en-US"/>
           </a:p>
@@ -4833,7 +4841,7 @@
           <a:p>
             <a:fld id="{699DC775-C286-4358-8C92-D7E584E969B3}" type="datetimeFigureOut">
               <a:rPr lang="en-US" smtClean="0"/>
-              <a:t>24-Jun-15</a:t>
+              <a:t>25-Jun-15</a:t>
             </a:fld>
             <a:endParaRPr lang="en-US"/>
           </a:p>
@@ -5129,7 +5137,7 @@
           <a:p>
             <a:fld id="{699DC775-C286-4358-8C92-D7E584E969B3}" type="datetimeFigureOut">
               <a:rPr lang="en-US" smtClean="0"/>
-              <a:t>24-Jun-15</a:t>
+              <a:t>25-Jun-15</a:t>
             </a:fld>
             <a:endParaRPr lang="en-US"/>
           </a:p>
@@ -5559,7 +5567,7 @@
           <a:p>
             <a:fld id="{699DC775-C286-4358-8C92-D7E584E969B3}" type="datetimeFigureOut">
               <a:rPr lang="en-US" smtClean="0"/>
-              <a:t>24-Jun-15</a:t>
+              <a:t>25-Jun-15</a:t>
             </a:fld>
             <a:endParaRPr lang="en-US"/>
           </a:p>
@@ -5805,7 +5813,7 @@
           <a:p>
             <a:fld id="{699DC775-C286-4358-8C92-D7E584E969B3}" type="datetimeFigureOut">
               <a:rPr lang="en-US" smtClean="0"/>
-              <a:t>24-Jun-15</a:t>
+              <a:t>25-Jun-15</a:t>
             </a:fld>
             <a:endParaRPr lang="en-US"/>
           </a:p>
@@ -5931,7 +5939,7 @@
           <a:p>
             <a:fld id="{699DC775-C286-4358-8C92-D7E584E969B3}" type="datetimeFigureOut">
               <a:rPr lang="en-US" smtClean="0"/>
-              <a:t>24-Jun-15</a:t>
+              <a:t>25-Jun-15</a:t>
             </a:fld>
             <a:endParaRPr lang="en-US"/>
           </a:p>
@@ -6034,7 +6042,7 @@
           <a:p>
             <a:fld id="{699DC775-C286-4358-8C92-D7E584E969B3}" type="datetimeFigureOut">
               <a:rPr lang="en-US" smtClean="0"/>
-              <a:t>24-Jun-15</a:t>
+              <a:t>25-Jun-15</a:t>
             </a:fld>
             <a:endParaRPr lang="en-US"/>
           </a:p>
@@ -6319,7 +6327,7 @@
           <a:p>
             <a:fld id="{699DC775-C286-4358-8C92-D7E584E969B3}" type="datetimeFigureOut">
               <a:rPr lang="en-US" smtClean="0"/>
-              <a:t>24-Jun-15</a:t>
+              <a:t>25-Jun-15</a:t>
             </a:fld>
             <a:endParaRPr lang="en-US"/>
           </a:p>
@@ -6580,7 +6588,7 @@
           <a:p>
             <a:fld id="{699DC775-C286-4358-8C92-D7E584E969B3}" type="datetimeFigureOut">
               <a:rPr lang="en-US" smtClean="0"/>
-              <a:t>24-Jun-15</a:t>
+              <a:t>25-Jun-15</a:t>
             </a:fld>
             <a:endParaRPr lang="en-US"/>
           </a:p>
@@ -6758,7 +6766,7 @@
           <a:p>
             <a:fld id="{699DC775-C286-4358-8C92-D7E584E969B3}" type="datetimeFigureOut">
               <a:rPr lang="en-US" smtClean="0"/>
-              <a:t>24-Jun-15</a:t>
+              <a:t>25-Jun-15</a:t>
             </a:fld>
             <a:endParaRPr lang="en-US"/>
           </a:p>
@@ -6946,7 +6954,7 @@
           <a:p>
             <a:fld id="{699DC775-C286-4358-8C92-D7E584E969B3}" type="datetimeFigureOut">
               <a:rPr lang="en-US" smtClean="0"/>
-              <a:t>24-Jun-15</a:t>
+              <a:t>25-Jun-15</a:t>
             </a:fld>
             <a:endParaRPr lang="en-US"/>
           </a:p>
@@ -7116,7 +7124,7 @@
           <a:p>
             <a:fld id="{699DC775-C286-4358-8C92-D7E584E969B3}" type="datetimeFigureOut">
               <a:rPr lang="en-US" smtClean="0"/>
-              <a:t>24-Jun-15</a:t>
+              <a:t>25-Jun-15</a:t>
             </a:fld>
             <a:endParaRPr lang="en-US"/>
           </a:p>
@@ -7404,7 +7412,7 @@
           <a:p>
             <a:fld id="{699DC775-C286-4358-8C92-D7E584E969B3}" type="datetimeFigureOut">
               <a:rPr lang="en-US" smtClean="0"/>
-              <a:t>24-Jun-15</a:t>
+              <a:t>25-Jun-15</a:t>
             </a:fld>
             <a:endParaRPr lang="en-US"/>
           </a:p>
@@ -7826,7 +7834,7 @@
           <a:p>
             <a:fld id="{699DC775-C286-4358-8C92-D7E584E969B3}" type="datetimeFigureOut">
               <a:rPr lang="en-US" smtClean="0"/>
-              <a:t>24-Jun-15</a:t>
+              <a:t>25-Jun-15</a:t>
             </a:fld>
             <a:endParaRPr lang="en-US"/>
           </a:p>
@@ -7944,7 +7952,7 @@
           <a:p>
             <a:fld id="{699DC775-C286-4358-8C92-D7E584E969B3}" type="datetimeFigureOut">
               <a:rPr lang="en-US" smtClean="0"/>
-              <a:t>24-Jun-15</a:t>
+              <a:t>25-Jun-15</a:t>
             </a:fld>
             <a:endParaRPr lang="en-US"/>
           </a:p>
@@ -8039,7 +8047,7 @@
           <a:p>
             <a:fld id="{699DC775-C286-4358-8C92-D7E584E969B3}" type="datetimeFigureOut">
               <a:rPr lang="en-US" smtClean="0"/>
-              <a:t>24-Jun-15</a:t>
+              <a:t>25-Jun-15</a:t>
             </a:fld>
             <a:endParaRPr lang="en-US"/>
           </a:p>
@@ -8316,7 +8324,7 @@
           <a:p>
             <a:fld id="{699DC775-C286-4358-8C92-D7E584E969B3}" type="datetimeFigureOut">
               <a:rPr lang="en-US" smtClean="0"/>
-              <a:t>24-Jun-15</a:t>
+              <a:t>25-Jun-15</a:t>
             </a:fld>
             <a:endParaRPr lang="en-US"/>
           </a:p>
@@ -8569,7 +8577,7 @@
           <a:p>
             <a:fld id="{699DC775-C286-4358-8C92-D7E584E969B3}" type="datetimeFigureOut">
               <a:rPr lang="en-US" smtClean="0"/>
-              <a:t>24-Jun-15</a:t>
+              <a:t>25-Jun-15</a:t>
             </a:fld>
             <a:endParaRPr lang="en-US"/>
           </a:p>
@@ -8782,7 +8790,7 @@
           <a:p>
             <a:fld id="{699DC775-C286-4358-8C92-D7E584E969B3}" type="datetimeFigureOut">
               <a:rPr lang="en-US" smtClean="0"/>
-              <a:t>24-Jun-15</a:t>
+              <a:t>25-Jun-15</a:t>
             </a:fld>
             <a:endParaRPr lang="en-US"/>
           </a:p>
@@ -9298,7 +9306,7 @@
           <a:p>
             <a:fld id="{699DC775-C286-4358-8C92-D7E584E969B3}" type="datetimeFigureOut">
               <a:rPr lang="en-US" smtClean="0"/>
-              <a:t>24-Jun-15</a:t>
+              <a:t>25-Jun-15</a:t>
             </a:fld>
             <a:endParaRPr lang="en-US"/>
           </a:p>
@@ -9812,7 +9820,7 @@
           <a:p>
             <a:fld id="{699DC775-C286-4358-8C92-D7E584E969B3}" type="datetimeFigureOut">
               <a:rPr lang="en-US" smtClean="0"/>
-              <a:t>24-Jun-15</a:t>
+              <a:t>25-Jun-15</a:t>
             </a:fld>
             <a:endParaRPr lang="en-US"/>
           </a:p>
@@ -10638,11 +10646,6 @@
               </a:rPr>
               <a:t>Such Fun!</a:t>
             </a:r>
-            <a:endParaRPr lang="en-US" sz="3600" dirty="0" smtClean="0">
-              <a:solidFill>
-                <a:srgbClr val="0070C0"/>
-              </a:solidFill>
-            </a:endParaRPr>
           </a:p>
           <a:p>
             <a:r>
@@ -11770,13 +11773,13 @@
   <p:clrMapOvr>
     <a:masterClrMapping/>
   </p:clrMapOvr>
-  <mc:AlternateContent xmlns:mc="http://schemas.openxmlformats.org/markup-compatibility/2006">
-    <mc:Choice xmlns:p14="http://schemas.microsoft.com/office/powerpoint/2010/main" Requires="p14">
+  <mc:AlternateContent xmlns:mc="http://schemas.openxmlformats.org/markup-compatibility/2006" xmlns:p14="http://schemas.microsoft.com/office/powerpoint/2010/main">
+    <mc:Choice Requires="p14">
       <p:transition p14:dur="250">
         <p:fade/>
       </p:transition>
     </mc:Choice>
-    <mc:Fallback>
+    <mc:Fallback xmlns="">
       <p:transition>
         <p:fade/>
       </p:transition>
@@ -12721,13 +12724,13 @@
   <p:clrMapOvr>
     <a:masterClrMapping/>
   </p:clrMapOvr>
-  <mc:AlternateContent xmlns:mc="http://schemas.openxmlformats.org/markup-compatibility/2006">
-    <mc:Choice xmlns:p14="http://schemas.microsoft.com/office/powerpoint/2010/main" Requires="p14">
+  <mc:AlternateContent xmlns:mc="http://schemas.openxmlformats.org/markup-compatibility/2006" xmlns:p14="http://schemas.microsoft.com/office/powerpoint/2010/main">
+    <mc:Choice Requires="p14">
       <p:transition p14:dur="250">
         <p:fade/>
       </p:transition>
     </mc:Choice>
-    <mc:Fallback>
+    <mc:Fallback xmlns="">
       <p:transition>
         <p:fade/>
       </p:transition>
@@ -14099,13 +14102,13 @@
   <p:clrMapOvr>
     <a:masterClrMapping/>
   </p:clrMapOvr>
-  <mc:AlternateContent xmlns:mc="http://schemas.openxmlformats.org/markup-compatibility/2006">
-    <mc:Choice xmlns:p14="http://schemas.microsoft.com/office/powerpoint/2010/main" Requires="p14">
+  <mc:AlternateContent xmlns:mc="http://schemas.openxmlformats.org/markup-compatibility/2006" xmlns:p14="http://schemas.microsoft.com/office/powerpoint/2010/main">
+    <mc:Choice Requires="p14">
       <p:transition p14:dur="250">
         <p:fade/>
       </p:transition>
     </mc:Choice>
-    <mc:Fallback>
+    <mc:Fallback xmlns="">
       <p:transition>
         <p:fade/>
       </p:transition>
@@ -15042,13 +15045,13 @@
   <p:clrMapOvr>
     <a:masterClrMapping/>
   </p:clrMapOvr>
-  <mc:AlternateContent xmlns:mc="http://schemas.openxmlformats.org/markup-compatibility/2006">
-    <mc:Choice xmlns:p14="http://schemas.microsoft.com/office/powerpoint/2010/main" Requires="p14">
+  <mc:AlternateContent xmlns:mc="http://schemas.openxmlformats.org/markup-compatibility/2006" xmlns:p14="http://schemas.microsoft.com/office/powerpoint/2010/main">
+    <mc:Choice Requires="p14">
       <p:transition p14:dur="250">
         <p:fade/>
       </p:transition>
     </mc:Choice>
-    <mc:Fallback>
+    <mc:Fallback xmlns="">
       <p:transition>
         <p:fade/>
       </p:transition>
@@ -16363,13 +16366,13 @@
   <p:clrMapOvr>
     <a:masterClrMapping/>
   </p:clrMapOvr>
-  <mc:AlternateContent xmlns:mc="http://schemas.openxmlformats.org/markup-compatibility/2006">
-    <mc:Choice xmlns:p14="http://schemas.microsoft.com/office/powerpoint/2010/main" Requires="p14">
+  <mc:AlternateContent xmlns:mc="http://schemas.openxmlformats.org/markup-compatibility/2006" xmlns:p14="http://schemas.microsoft.com/office/powerpoint/2010/main">
+    <mc:Choice Requires="p14">
       <p:transition p14:dur="250">
         <p:fade/>
       </p:transition>
     </mc:Choice>
-    <mc:Fallback>
+    <mc:Fallback xmlns="">
       <p:transition>
         <p:fade/>
       </p:transition>
@@ -17124,13 +17127,13 @@
   <p:clrMapOvr>
     <a:masterClrMapping/>
   </p:clrMapOvr>
-  <mc:AlternateContent xmlns:mc="http://schemas.openxmlformats.org/markup-compatibility/2006">
-    <mc:Choice xmlns:p14="http://schemas.microsoft.com/office/powerpoint/2010/main" Requires="p14">
+  <mc:AlternateContent xmlns:mc="http://schemas.openxmlformats.org/markup-compatibility/2006" xmlns:p14="http://schemas.microsoft.com/office/powerpoint/2010/main">
+    <mc:Choice Requires="p14">
       <p:transition p14:dur="250">
         <p:fade/>
       </p:transition>
     </mc:Choice>
-    <mc:Fallback>
+    <mc:Fallback xmlns="">
       <p:transition>
         <p:fade/>
       </p:transition>
@@ -17886,13 +17889,13 @@
   <p:clrMapOvr>
     <a:masterClrMapping/>
   </p:clrMapOvr>
-  <mc:AlternateContent xmlns:mc="http://schemas.openxmlformats.org/markup-compatibility/2006">
-    <mc:Choice xmlns:p14="http://schemas.microsoft.com/office/powerpoint/2010/main" Requires="p14">
+  <mc:AlternateContent xmlns:mc="http://schemas.openxmlformats.org/markup-compatibility/2006" xmlns:p14="http://schemas.microsoft.com/office/powerpoint/2010/main">
+    <mc:Choice Requires="p14">
       <p:transition p14:dur="250">
         <p:fade/>
       </p:transition>
     </mc:Choice>
-    <mc:Fallback>
+    <mc:Fallback xmlns="">
       <p:transition>
         <p:fade/>
       </p:transition>
@@ -18063,11 +18066,11 @@
   <p:clrMapOvr>
     <a:masterClrMapping/>
   </p:clrMapOvr>
-  <mc:AlternateContent xmlns:mc="http://schemas.openxmlformats.org/markup-compatibility/2006">
-    <mc:Choice xmlns:p14="http://schemas.microsoft.com/office/powerpoint/2010/main" Requires="p14">
+  <mc:AlternateContent xmlns:mc="http://schemas.openxmlformats.org/markup-compatibility/2006" xmlns:p14="http://schemas.microsoft.com/office/powerpoint/2010/main">
+    <mc:Choice Requires="p14">
       <p:transition spd="slow" p14:dur="2000"/>
     </mc:Choice>
-    <mc:Fallback>
+    <mc:Fallback xmlns="">
       <p:transition spd="slow"/>
     </mc:Fallback>
   </mc:AlternateContent>
@@ -18942,13 +18945,13 @@
   <p:clrMapOvr>
     <a:masterClrMapping/>
   </p:clrMapOvr>
-  <mc:AlternateContent xmlns:mc="http://schemas.openxmlformats.org/markup-compatibility/2006">
-    <mc:Choice xmlns:p14="http://schemas.microsoft.com/office/powerpoint/2010/main" Requires="p14">
+  <mc:AlternateContent xmlns:mc="http://schemas.openxmlformats.org/markup-compatibility/2006" xmlns:p14="http://schemas.microsoft.com/office/powerpoint/2010/main">
+    <mc:Choice Requires="p14">
       <p:transition p14:dur="250">
         <p:fade/>
       </p:transition>
     </mc:Choice>
-    <mc:Fallback>
+    <mc:Fallback xmlns="">
       <p:transition>
         <p:fade/>
       </p:transition>
@@ -20090,13 +20093,13 @@
   <p:clrMapOvr>
     <a:masterClrMapping/>
   </p:clrMapOvr>
-  <mc:AlternateContent xmlns:mc="http://schemas.openxmlformats.org/markup-compatibility/2006">
-    <mc:Choice xmlns:p14="http://schemas.microsoft.com/office/powerpoint/2010/main" Requires="p14">
+  <mc:AlternateContent xmlns:mc="http://schemas.openxmlformats.org/markup-compatibility/2006" xmlns:p14="http://schemas.microsoft.com/office/powerpoint/2010/main">
+    <mc:Choice Requires="p14">
       <p:transition p14:dur="250">
         <p:fade/>
       </p:transition>
     </mc:Choice>
-    <mc:Fallback>
+    <mc:Fallback xmlns="">
       <p:transition>
         <p:fade/>
       </p:transition>
@@ -20935,13 +20938,13 @@
   <p:clrMapOvr>
     <a:masterClrMapping/>
   </p:clrMapOvr>
-  <mc:AlternateContent xmlns:mc="http://schemas.openxmlformats.org/markup-compatibility/2006">
-    <mc:Choice xmlns:p14="http://schemas.microsoft.com/office/powerpoint/2010/main" Requires="p14">
+  <mc:AlternateContent xmlns:mc="http://schemas.openxmlformats.org/markup-compatibility/2006" xmlns:p14="http://schemas.microsoft.com/office/powerpoint/2010/main">
+    <mc:Choice Requires="p14">
       <p:transition p14:dur="250">
         <p:fade/>
       </p:transition>
     </mc:Choice>
-    <mc:Fallback>
+    <mc:Fallback xmlns="">
       <p:transition>
         <p:fade/>
       </p:transition>
@@ -21999,13 +22002,13 @@
   <p:clrMapOvr>
     <a:masterClrMapping/>
   </p:clrMapOvr>
-  <mc:AlternateContent xmlns:mc="http://schemas.openxmlformats.org/markup-compatibility/2006">
-    <mc:Choice xmlns:p14="http://schemas.microsoft.com/office/powerpoint/2010/main" Requires="p14">
+  <mc:AlternateContent xmlns:mc="http://schemas.openxmlformats.org/markup-compatibility/2006" xmlns:p14="http://schemas.microsoft.com/office/powerpoint/2010/main">
+    <mc:Choice Requires="p14">
       <p:transition p14:dur="250">
         <p:fade/>
       </p:transition>
     </mc:Choice>
-    <mc:Fallback>
+    <mc:Fallback xmlns="">
       <p:transition>
         <p:fade/>
       </p:transition>
@@ -23009,13 +23012,13 @@
   <p:clrMapOvr>
     <a:masterClrMapping/>
   </p:clrMapOvr>
-  <mc:AlternateContent xmlns:mc="http://schemas.openxmlformats.org/markup-compatibility/2006">
-    <mc:Choice xmlns:p14="http://schemas.microsoft.com/office/powerpoint/2010/main" Requires="p14">
+  <mc:AlternateContent xmlns:mc="http://schemas.openxmlformats.org/markup-compatibility/2006" xmlns:p14="http://schemas.microsoft.com/office/powerpoint/2010/main">
+    <mc:Choice Requires="p14">
       <p:transition p14:dur="250">
         <p:fade/>
       </p:transition>
     </mc:Choice>
-    <mc:Fallback>
+    <mc:Fallback xmlns="">
       <p:transition>
         <p:fade/>
       </p:transition>

--- a/doc/test/AgendaSlidesTextBeforeSync.pptx
+++ b/doc/test/AgendaSlidesTextBeforeSync.pptx
@@ -18,10 +18,10 @@
     <p:sldId id="318" r:id="rId9"/>
     <p:sldId id="307" r:id="rId10"/>
     <p:sldId id="326" r:id="rId11"/>
-    <p:sldId id="327" r:id="rId12"/>
-    <p:sldId id="309" r:id="rId13"/>
-    <p:sldId id="319" r:id="rId14"/>
-    <p:sldId id="320" r:id="rId15"/>
+    <p:sldId id="320" r:id="rId12"/>
+    <p:sldId id="319" r:id="rId13"/>
+    <p:sldId id="309" r:id="rId14"/>
+    <p:sldId id="327" r:id="rId15"/>
     <p:sldId id="292" r:id="rId16"/>
     <p:sldId id="310" r:id="rId17"/>
     <p:sldId id="308" r:id="rId18"/>
@@ -154,19 +154,19 @@
           <p14:sldIdLst>
             <p14:sldId id="318"/>
             <p14:sldId id="307"/>
-            <p14:sldId id="326"/>
           </p14:sldIdLst>
         </p14:section>
         <p14:section name="New Section" id="{98BC69C9-A1EB-4136-AE48-B7DA80DFA5C3}">
           <p14:sldIdLst>
+            <p14:sldId id="326"/>
+            <p14:sldId id="320"/>
+            <p14:sldId id="319"/>
+            <p14:sldId id="309"/>
             <p14:sldId id="327"/>
-            <p14:sldId id="309"/>
-            <p14:sldId id="319"/>
           </p14:sldIdLst>
         </p14:section>
         <p14:section name="Same Name" id="{B98F844A-9A74-4E46-97A3-0A12C7B6B0E5}">
           <p14:sldIdLst>
-            <p14:sldId id="320"/>
             <p14:sldId id="292"/>
             <p14:sldId id="310"/>
             <p14:sldId id="308"/>
@@ -194,7 +194,7 @@
       </p14:sectionLst>
     </p:ext>
     <p:ext uri="{EFAFB233-063F-42B5-8137-9DF3F51BA10A}">
-      <p15:sldGuideLst xmlns:p15="http://schemas.microsoft.com/office/powerpoint/2012/main" xmlns="">
+      <p15:sldGuideLst xmlns="" xmlns:p15="http://schemas.microsoft.com/office/powerpoint/2012/main">
         <p15:guide id="1" orient="horz" pos="2160">
           <p15:clr>
             <a:srgbClr val="A4A3A4"/>
@@ -293,7 +293,7 @@
           <a:p>
             <a:fld id="{C33977A5-270E-4E03-B118-17345E304686}" type="datetimeFigureOut">
               <a:rPr lang="en-US" smtClean="0"/>
-              <a:t>25-Jun-15</a:t>
+              <a:t>30-Jun-15</a:t>
             </a:fld>
             <a:endParaRPr lang="en-US"/>
           </a:p>
@@ -838,7 +838,7 @@
           <a:p>
             <a:fld id="{699DC775-C286-4358-8C92-D7E584E969B3}" type="datetimeFigureOut">
               <a:rPr lang="en-US" smtClean="0"/>
-              <a:t>25-Jun-15</a:t>
+              <a:t>30-Jun-15</a:t>
             </a:fld>
             <a:endParaRPr lang="en-US"/>
           </a:p>
@@ -1008,7 +1008,7 @@
           <a:p>
             <a:fld id="{699DC775-C286-4358-8C92-D7E584E969B3}" type="datetimeFigureOut">
               <a:rPr lang="en-US" smtClean="0"/>
-              <a:t>25-Jun-15</a:t>
+              <a:t>30-Jun-15</a:t>
             </a:fld>
             <a:endParaRPr lang="en-US"/>
           </a:p>
@@ -1188,7 +1188,7 @@
           <a:p>
             <a:fld id="{699DC775-C286-4358-8C92-D7E584E969B3}" type="datetimeFigureOut">
               <a:rPr lang="en-US" smtClean="0"/>
-              <a:t>25-Jun-15</a:t>
+              <a:t>30-Jun-15</a:t>
             </a:fld>
             <a:endParaRPr lang="en-US"/>
           </a:p>
@@ -1358,7 +1358,7 @@
           <a:p>
             <a:fld id="{699DC775-C286-4358-8C92-D7E584E969B3}" type="datetimeFigureOut">
               <a:rPr lang="en-US" smtClean="0"/>
-              <a:t>25-Jun-15</a:t>
+              <a:t>30-Jun-15</a:t>
             </a:fld>
             <a:endParaRPr lang="en-US"/>
           </a:p>
@@ -1600,7 +1600,7 @@
           <a:p>
             <a:fld id="{699DC775-C286-4358-8C92-D7E584E969B3}" type="datetimeFigureOut">
               <a:rPr lang="en-US" smtClean="0"/>
-              <a:t>25-Jun-15</a:t>
+              <a:t>30-Jun-15</a:t>
             </a:fld>
             <a:endParaRPr lang="en-US"/>
           </a:p>
@@ -1770,7 +1770,7 @@
           <a:p>
             <a:fld id="{699DC775-C286-4358-8C92-D7E584E969B3}" type="datetimeFigureOut">
               <a:rPr lang="en-US" smtClean="0"/>
-              <a:t>25-Jun-15</a:t>
+              <a:t>30-Jun-15</a:t>
             </a:fld>
             <a:endParaRPr lang="en-US"/>
           </a:p>
@@ -2016,7 +2016,7 @@
           <a:p>
             <a:fld id="{699DC775-C286-4358-8C92-D7E584E969B3}" type="datetimeFigureOut">
               <a:rPr lang="en-US" smtClean="0"/>
-              <a:t>25-Jun-15</a:t>
+              <a:t>30-Jun-15</a:t>
             </a:fld>
             <a:endParaRPr lang="en-US"/>
           </a:p>
@@ -2304,7 +2304,7 @@
           <a:p>
             <a:fld id="{699DC775-C286-4358-8C92-D7E584E969B3}" type="datetimeFigureOut">
               <a:rPr lang="en-US" smtClean="0"/>
-              <a:t>25-Jun-15</a:t>
+              <a:t>30-Jun-15</a:t>
             </a:fld>
             <a:endParaRPr lang="en-US"/>
           </a:p>
@@ -2726,7 +2726,7 @@
           <a:p>
             <a:fld id="{699DC775-C286-4358-8C92-D7E584E969B3}" type="datetimeFigureOut">
               <a:rPr lang="en-US" smtClean="0"/>
-              <a:t>25-Jun-15</a:t>
+              <a:t>30-Jun-15</a:t>
             </a:fld>
             <a:endParaRPr lang="en-US"/>
           </a:p>
@@ -2844,7 +2844,7 @@
           <a:p>
             <a:fld id="{699DC775-C286-4358-8C92-D7E584E969B3}" type="datetimeFigureOut">
               <a:rPr lang="en-US" smtClean="0"/>
-              <a:t>25-Jun-15</a:t>
+              <a:t>30-Jun-15</a:t>
             </a:fld>
             <a:endParaRPr lang="en-US"/>
           </a:p>
@@ -2939,7 +2939,7 @@
           <a:p>
             <a:fld id="{699DC775-C286-4358-8C92-D7E584E969B3}" type="datetimeFigureOut">
               <a:rPr lang="en-US" smtClean="0"/>
-              <a:t>25-Jun-15</a:t>
+              <a:t>30-Jun-15</a:t>
             </a:fld>
             <a:endParaRPr lang="en-US"/>
           </a:p>
@@ -3109,7 +3109,7 @@
           <a:p>
             <a:fld id="{699DC775-C286-4358-8C92-D7E584E969B3}" type="datetimeFigureOut">
               <a:rPr lang="en-US" smtClean="0"/>
-              <a:t>25-Jun-15</a:t>
+              <a:t>30-Jun-15</a:t>
             </a:fld>
             <a:endParaRPr lang="en-US"/>
           </a:p>
@@ -3386,7 +3386,7 @@
           <a:p>
             <a:fld id="{699DC775-C286-4358-8C92-D7E584E969B3}" type="datetimeFigureOut">
               <a:rPr lang="en-US" smtClean="0"/>
-              <a:t>25-Jun-15</a:t>
+              <a:t>30-Jun-15</a:t>
             </a:fld>
             <a:endParaRPr lang="en-US"/>
           </a:p>
@@ -3639,7 +3639,7 @@
           <a:p>
             <a:fld id="{699DC775-C286-4358-8C92-D7E584E969B3}" type="datetimeFigureOut">
               <a:rPr lang="en-US" smtClean="0"/>
-              <a:t>25-Jun-15</a:t>
+              <a:t>30-Jun-15</a:t>
             </a:fld>
             <a:endParaRPr lang="en-US"/>
           </a:p>
@@ -3809,7 +3809,7 @@
           <a:p>
             <a:fld id="{699DC775-C286-4358-8C92-D7E584E969B3}" type="datetimeFigureOut">
               <a:rPr lang="en-US" smtClean="0"/>
-              <a:t>25-Jun-15</a:t>
+              <a:t>30-Jun-15</a:t>
             </a:fld>
             <a:endParaRPr lang="en-US"/>
           </a:p>
@@ -3989,7 +3989,7 @@
           <a:p>
             <a:fld id="{699DC775-C286-4358-8C92-D7E584E969B3}" type="datetimeFigureOut">
               <a:rPr lang="en-US" smtClean="0"/>
-              <a:t>25-Jun-15</a:t>
+              <a:t>30-Jun-15</a:t>
             </a:fld>
             <a:endParaRPr lang="en-US"/>
           </a:p>
@@ -4159,7 +4159,7 @@
           <a:p>
             <a:fld id="{699DC775-C286-4358-8C92-D7E584E969B3}" type="datetimeFigureOut">
               <a:rPr lang="en-US" smtClean="0"/>
-              <a:t>25-Jun-15</a:t>
+              <a:t>30-Jun-15</a:t>
             </a:fld>
             <a:endParaRPr lang="en-US"/>
           </a:p>
@@ -4409,7 +4409,7 @@
           <a:p>
             <a:fld id="{699DC775-C286-4358-8C92-D7E584E969B3}" type="datetimeFigureOut">
               <a:rPr lang="en-US" smtClean="0"/>
-              <a:t>25-Jun-15</a:t>
+              <a:t>30-Jun-15</a:t>
             </a:fld>
             <a:endParaRPr lang="en-US"/>
           </a:p>
@@ -4587,7 +4587,7 @@
           <a:p>
             <a:fld id="{699DC775-C286-4358-8C92-D7E584E969B3}" type="datetimeFigureOut">
               <a:rPr lang="en-US" smtClean="0"/>
-              <a:t>25-Jun-15</a:t>
+              <a:t>30-Jun-15</a:t>
             </a:fld>
             <a:endParaRPr lang="en-US"/>
           </a:p>
@@ -4841,7 +4841,7 @@
           <a:p>
             <a:fld id="{699DC775-C286-4358-8C92-D7E584E969B3}" type="datetimeFigureOut">
               <a:rPr lang="en-US" smtClean="0"/>
-              <a:t>25-Jun-15</a:t>
+              <a:t>30-Jun-15</a:t>
             </a:fld>
             <a:endParaRPr lang="en-US"/>
           </a:p>
@@ -5137,7 +5137,7 @@
           <a:p>
             <a:fld id="{699DC775-C286-4358-8C92-D7E584E969B3}" type="datetimeFigureOut">
               <a:rPr lang="en-US" smtClean="0"/>
-              <a:t>25-Jun-15</a:t>
+              <a:t>30-Jun-15</a:t>
             </a:fld>
             <a:endParaRPr lang="en-US"/>
           </a:p>
@@ -5567,7 +5567,7 @@
           <a:p>
             <a:fld id="{699DC775-C286-4358-8C92-D7E584E969B3}" type="datetimeFigureOut">
               <a:rPr lang="en-US" smtClean="0"/>
-              <a:t>25-Jun-15</a:t>
+              <a:t>30-Jun-15</a:t>
             </a:fld>
             <a:endParaRPr lang="en-US"/>
           </a:p>
@@ -5813,7 +5813,7 @@
           <a:p>
             <a:fld id="{699DC775-C286-4358-8C92-D7E584E969B3}" type="datetimeFigureOut">
               <a:rPr lang="en-US" smtClean="0"/>
-              <a:t>25-Jun-15</a:t>
+              <a:t>30-Jun-15</a:t>
             </a:fld>
             <a:endParaRPr lang="en-US"/>
           </a:p>
@@ -5939,7 +5939,7 @@
           <a:p>
             <a:fld id="{699DC775-C286-4358-8C92-D7E584E969B3}" type="datetimeFigureOut">
               <a:rPr lang="en-US" smtClean="0"/>
-              <a:t>25-Jun-15</a:t>
+              <a:t>30-Jun-15</a:t>
             </a:fld>
             <a:endParaRPr lang="en-US"/>
           </a:p>
@@ -6042,7 +6042,7 @@
           <a:p>
             <a:fld id="{699DC775-C286-4358-8C92-D7E584E969B3}" type="datetimeFigureOut">
               <a:rPr lang="en-US" smtClean="0"/>
-              <a:t>25-Jun-15</a:t>
+              <a:t>30-Jun-15</a:t>
             </a:fld>
             <a:endParaRPr lang="en-US"/>
           </a:p>
@@ -6327,7 +6327,7 @@
           <a:p>
             <a:fld id="{699DC775-C286-4358-8C92-D7E584E969B3}" type="datetimeFigureOut">
               <a:rPr lang="en-US" smtClean="0"/>
-              <a:t>25-Jun-15</a:t>
+              <a:t>30-Jun-15</a:t>
             </a:fld>
             <a:endParaRPr lang="en-US"/>
           </a:p>
@@ -6588,7 +6588,7 @@
           <a:p>
             <a:fld id="{699DC775-C286-4358-8C92-D7E584E969B3}" type="datetimeFigureOut">
               <a:rPr lang="en-US" smtClean="0"/>
-              <a:t>25-Jun-15</a:t>
+              <a:t>30-Jun-15</a:t>
             </a:fld>
             <a:endParaRPr lang="en-US"/>
           </a:p>
@@ -6766,7 +6766,7 @@
           <a:p>
             <a:fld id="{699DC775-C286-4358-8C92-D7E584E969B3}" type="datetimeFigureOut">
               <a:rPr lang="en-US" smtClean="0"/>
-              <a:t>25-Jun-15</a:t>
+              <a:t>30-Jun-15</a:t>
             </a:fld>
             <a:endParaRPr lang="en-US"/>
           </a:p>
@@ -6954,7 +6954,7 @@
           <a:p>
             <a:fld id="{699DC775-C286-4358-8C92-D7E584E969B3}" type="datetimeFigureOut">
               <a:rPr lang="en-US" smtClean="0"/>
-              <a:t>25-Jun-15</a:t>
+              <a:t>30-Jun-15</a:t>
             </a:fld>
             <a:endParaRPr lang="en-US"/>
           </a:p>
@@ -7124,7 +7124,7 @@
           <a:p>
             <a:fld id="{699DC775-C286-4358-8C92-D7E584E969B3}" type="datetimeFigureOut">
               <a:rPr lang="en-US" smtClean="0"/>
-              <a:t>25-Jun-15</a:t>
+              <a:t>30-Jun-15</a:t>
             </a:fld>
             <a:endParaRPr lang="en-US"/>
           </a:p>
@@ -7412,7 +7412,7 @@
           <a:p>
             <a:fld id="{699DC775-C286-4358-8C92-D7E584E969B3}" type="datetimeFigureOut">
               <a:rPr lang="en-US" smtClean="0"/>
-              <a:t>25-Jun-15</a:t>
+              <a:t>30-Jun-15</a:t>
             </a:fld>
             <a:endParaRPr lang="en-US"/>
           </a:p>
@@ -7834,7 +7834,7 @@
           <a:p>
             <a:fld id="{699DC775-C286-4358-8C92-D7E584E969B3}" type="datetimeFigureOut">
               <a:rPr lang="en-US" smtClean="0"/>
-              <a:t>25-Jun-15</a:t>
+              <a:t>30-Jun-15</a:t>
             </a:fld>
             <a:endParaRPr lang="en-US"/>
           </a:p>
@@ -7952,7 +7952,7 @@
           <a:p>
             <a:fld id="{699DC775-C286-4358-8C92-D7E584E969B3}" type="datetimeFigureOut">
               <a:rPr lang="en-US" smtClean="0"/>
-              <a:t>25-Jun-15</a:t>
+              <a:t>30-Jun-15</a:t>
             </a:fld>
             <a:endParaRPr lang="en-US"/>
           </a:p>
@@ -8047,7 +8047,7 @@
           <a:p>
             <a:fld id="{699DC775-C286-4358-8C92-D7E584E969B3}" type="datetimeFigureOut">
               <a:rPr lang="en-US" smtClean="0"/>
-              <a:t>25-Jun-15</a:t>
+              <a:t>30-Jun-15</a:t>
             </a:fld>
             <a:endParaRPr lang="en-US"/>
           </a:p>
@@ -8324,7 +8324,7 @@
           <a:p>
             <a:fld id="{699DC775-C286-4358-8C92-D7E584E969B3}" type="datetimeFigureOut">
               <a:rPr lang="en-US" smtClean="0"/>
-              <a:t>25-Jun-15</a:t>
+              <a:t>30-Jun-15</a:t>
             </a:fld>
             <a:endParaRPr lang="en-US"/>
           </a:p>
@@ -8577,7 +8577,7 @@
           <a:p>
             <a:fld id="{699DC775-C286-4358-8C92-D7E584E969B3}" type="datetimeFigureOut">
               <a:rPr lang="en-US" smtClean="0"/>
-              <a:t>25-Jun-15</a:t>
+              <a:t>30-Jun-15</a:t>
             </a:fld>
             <a:endParaRPr lang="en-US"/>
           </a:p>
@@ -8790,7 +8790,7 @@
           <a:p>
             <a:fld id="{699DC775-C286-4358-8C92-D7E584E969B3}" type="datetimeFigureOut">
               <a:rPr lang="en-US" smtClean="0"/>
-              <a:t>25-Jun-15</a:t>
+              <a:t>30-Jun-15</a:t>
             </a:fld>
             <a:endParaRPr lang="en-US"/>
           </a:p>
@@ -9306,7 +9306,7 @@
           <a:p>
             <a:fld id="{699DC775-C286-4358-8C92-D7E584E969B3}" type="datetimeFigureOut">
               <a:rPr lang="en-US" smtClean="0"/>
-              <a:t>25-Jun-15</a:t>
+              <a:t>30-Jun-15</a:t>
             </a:fld>
             <a:endParaRPr lang="en-US"/>
           </a:p>
@@ -9820,7 +9820,7 @@
           <a:p>
             <a:fld id="{699DC775-C286-4358-8C92-D7E584E969B3}" type="datetimeFigureOut">
               <a:rPr lang="en-US" smtClean="0"/>
-              <a:t>25-Jun-15</a:t>
+              <a:t>30-Jun-15</a:t>
             </a:fld>
             <a:endParaRPr lang="en-US"/>
           </a:p>
@@ -10899,43 +10899,6 @@
 
 <file path=ppt/slides/slide10.xml><?xml version="1.0" encoding="utf-8"?>
 <p:sld xmlns:a="http://schemas.openxmlformats.org/drawingml/2006/main" xmlns:r="http://schemas.openxmlformats.org/officeDocument/2006/relationships" xmlns:p="http://schemas.openxmlformats.org/presentationml/2006/main">
-  <p:cSld>
-    <p:spTree>
-      <p:nvGrpSpPr>
-        <p:cNvPr id="1" name=""/>
-        <p:cNvGrpSpPr/>
-        <p:nvPr/>
-      </p:nvGrpSpPr>
-      <p:grpSpPr>
-        <a:xfrm>
-          <a:off x="0" y="0"/>
-          <a:ext cx="0" cy="0"/>
-          <a:chOff x="0" y="0"/>
-          <a:chExt cx="0" cy="0"/>
-        </a:xfrm>
-      </p:grpSpPr>
-    </p:spTree>
-    <p:extLst>
-      <p:ext uri="{BB962C8B-B14F-4D97-AF65-F5344CB8AC3E}">
-        <p14:creationId xmlns:p14="http://schemas.microsoft.com/office/powerpoint/2010/main" val="3065248007"/>
-      </p:ext>
-    </p:extLst>
-  </p:cSld>
-  <p:clrMapOvr>
-    <a:masterClrMapping/>
-  </p:clrMapOvr>
-  <p:timing>
-    <p:tnLst>
-      <p:par>
-        <p:cTn id="1" dur="indefinite" restart="never" nodeType="tmRoot"/>
-      </p:par>
-    </p:tnLst>
-  </p:timing>
-</p:sld>
-</file>
-
-<file path=ppt/slides/slide11.xml><?xml version="1.0" encoding="utf-8"?>
-<p:sld xmlns:a="http://schemas.openxmlformats.org/drawingml/2006/main" xmlns:r="http://schemas.openxmlformats.org/officeDocument/2006/relationships" xmlns:p="http://schemas.openxmlformats.org/presentationml/2006/main">
   <p:cSld name="PptLabsAgenda_&amp;^@Bullet_&amp;^@End_&amp;^@New Section_4">
     <p:spTree>
       <p:nvGrpSpPr>
@@ -11893,9 +11856,46 @@
 </p:sld>
 </file>
 
+<file path=ppt/slides/slide11.xml><?xml version="1.0" encoding="utf-8"?>
+<p:sld xmlns:a="http://schemas.openxmlformats.org/drawingml/2006/main" xmlns:r="http://schemas.openxmlformats.org/officeDocument/2006/relationships" xmlns:p="http://schemas.openxmlformats.org/presentationml/2006/main">
+  <p:cSld>
+    <p:spTree>
+      <p:nvGrpSpPr>
+        <p:cNvPr id="1" name=""/>
+        <p:cNvGrpSpPr/>
+        <p:nvPr/>
+      </p:nvGrpSpPr>
+      <p:grpSpPr>
+        <a:xfrm>
+          <a:off x="0" y="0"/>
+          <a:ext cx="0" cy="0"/>
+          <a:chOff x="0" y="0"/>
+          <a:chExt cx="0" cy="0"/>
+        </a:xfrm>
+      </p:grpSpPr>
+    </p:spTree>
+    <p:extLst>
+      <p:ext uri="{BB962C8B-B14F-4D97-AF65-F5344CB8AC3E}">
+        <p14:creationId xmlns:p14="http://schemas.microsoft.com/office/powerpoint/2010/main" val="3065248007"/>
+      </p:ext>
+    </p:extLst>
+  </p:cSld>
+  <p:clrMapOvr>
+    <a:masterClrMapping/>
+  </p:clrMapOvr>
+  <p:timing>
+    <p:tnLst>
+      <p:par>
+        <p:cTn id="1" dur="indefinite" restart="never" nodeType="tmRoot"/>
+      </p:par>
+    </p:tnLst>
+  </p:timing>
+</p:sld>
+</file>
+
 <file path=ppt/slides/slide12.xml><?xml version="1.0" encoding="utf-8"?>
 <p:sld xmlns:a="http://schemas.openxmlformats.org/drawingml/2006/main" xmlns:r="http://schemas.openxmlformats.org/officeDocument/2006/relationships" xmlns:p="http://schemas.openxmlformats.org/presentationml/2006/main">
-  <p:cSld name="PptLabsAgenda_&amp;^@Bullet_&amp;^@Start_&amp;^@Same Name_5">
+  <p:cSld name="PptLabsAgenda_&amp;^@Bullet_&amp;^@Start_&amp;^@New Section_4">
     <p:spTree>
       <p:nvGrpSpPr>
         <p:cNvPr id="1" name=""/>
@@ -11912,7 +11912,7 @@
       </p:grpSpPr>
       <p:pic>
         <p:nvPicPr>
-          <p:cNvPr id="2" name="PPTIndicator201506191628393686"/>
+          <p:cNvPr id="2" name="PPTIndicator201506241720142230"/>
           <p:cNvPicPr>
             <a:picLocks/>
           </p:cNvPicPr>
@@ -11942,7 +11942,7 @@
       </p:pic>
       <p:sp>
         <p:nvSpPr>
-          <p:cNvPr id="14" name="Objects with same name"/>
+          <p:cNvPr id="5" name="Objects with same name"/>
           <p:cNvSpPr>
             <a:spLocks/>
           </p:cNvSpPr>
@@ -11987,7 +11987,7 @@
       </p:sp>
       <p:sp>
         <p:nvSpPr>
-          <p:cNvPr id="15" name="Unnamed Shape 20150624172013387917"/>
+          <p:cNvPr id="6" name="Unnamed Shape 20150624172013387917"/>
           <p:cNvSpPr>
             <a:spLocks/>
           </p:cNvSpPr>
@@ -12032,7 +12032,7 @@
       </p:sp>
       <p:sp>
         <p:nvSpPr>
-          <p:cNvPr id="16" name="Unnamed Shape 20150624172013387918"/>
+          <p:cNvPr id="7" name="Unnamed Shape 20150624172013387918"/>
           <p:cNvSpPr>
             <a:spLocks/>
           </p:cNvSpPr>
@@ -12077,7 +12077,7 @@
       </p:sp>
       <p:sp>
         <p:nvSpPr>
-          <p:cNvPr id="17" name="Unnamed Shape 20150624172013382914"/>
+          <p:cNvPr id="8" name="Unnamed Shape 20150624172013382914"/>
           <p:cNvSpPr>
             <a:spLocks/>
           </p:cNvSpPr>
@@ -12122,7 +12122,7 @@
       </p:sp>
       <p:sp>
         <p:nvSpPr>
-          <p:cNvPr id="6" name="PptLabsAgenda_&amp;^@ContentShape_&amp;^@2015061916283877850"/>
+          <p:cNvPr id="9" name="PptLabsAgenda_&amp;^@ContentShape_&amp;^@2015061916283877850"/>
           <p:cNvSpPr txBox="1">
             <a:spLocks/>
           </p:cNvSpPr>
@@ -12238,14 +12238,6 @@
           <a:p>
             <a:pPr lvl="0"/>
             <a:r>
-              <a:rPr lang="en-US" smtClean="0"/>
-              <a:t>New Section</a:t>
-            </a:r>
-            <a:endParaRPr lang="en-US"/>
-          </a:p>
-          <a:p>
-            <a:pPr lvl="0"/>
-            <a:r>
               <a:rPr lang="en-US" sz="4400" smtClean="0">
                 <a:solidFill>
                   <a:srgbClr val="1F497D">
@@ -12255,7 +12247,7 @@
                 </a:solidFill>
                 <a:latin typeface="Arial Black" pitchFamily="34" charset="0"/>
               </a:rPr>
-              <a:t>Same Name</a:t>
+              <a:t>New Section</a:t>
             </a:r>
             <a:endParaRPr lang="en-US" sz="4400">
               <a:solidFill>
@@ -12275,7 +12267,7 @@
                   <a:srgbClr val="000000"/>
                 </a:solidFill>
               </a:rPr>
-              <a:t>New Section</a:t>
+              <a:t>Same Name</a:t>
             </a:r>
             <a:endParaRPr lang="en-US" sz="2800" b="0" i="1" u="sng">
               <a:solidFill>
@@ -12286,20 +12278,12 @@
           <a:p>
             <a:pPr lvl="0"/>
             <a:r>
-              <a:rPr lang="ja-JP" altLang="en-US" sz="2800" b="0" i="1" u="sng" smtClean="0">
+              <a:rPr lang="en-US" sz="2800" b="0" i="1" u="sng" smtClean="0">
                 <a:solidFill>
                   <a:srgbClr val="000000"/>
                 </a:solidFill>
               </a:rPr>
-              <a:t>あいうえお</a:t>
-            </a:r>
-            <a:r>
-              <a:rPr lang="en-US" sz="2800" b="0" i="1" u="sng" smtClean="0">
-                <a:solidFill>
-                  <a:srgbClr val="000000"/>
-                </a:solidFill>
-              </a:rPr>
-              <a:t>kl)(*&amp;%$#@85v_+)0_@#%L:CF]1</a:t>
+              <a:t>New Section</a:t>
             </a:r>
             <a:endParaRPr lang="en-US" sz="2800" b="0" i="1" u="sng">
               <a:solidFill>
@@ -12308,13 +12292,37 @@
             </a:endParaRPr>
           </a:p>
           <a:p>
-            <a:endParaRPr lang="en-US"/>
-          </a:p>
-        </p:txBody>
-      </p:sp>
-      <p:sp>
-        <p:nvSpPr>
-          <p:cNvPr id="18" name="Unnamed Shape 20150624172013385915"/>
+            <a:pPr lvl="0"/>
+            <a:r>
+              <a:rPr lang="ja-JP" altLang="en-US" sz="2800" b="0" i="1" u="sng" smtClean="0">
+                <a:solidFill>
+                  <a:srgbClr val="000000"/>
+                </a:solidFill>
+              </a:rPr>
+              <a:t>あいうえお</a:t>
+            </a:r>
+            <a:r>
+              <a:rPr lang="en-US" sz="2800" b="0" i="1" u="sng" smtClean="0">
+                <a:solidFill>
+                  <a:srgbClr val="000000"/>
+                </a:solidFill>
+              </a:rPr>
+              <a:t>kl)(*&amp;%$#@85v_+)0_@#%L:CF]1</a:t>
+            </a:r>
+            <a:endParaRPr lang="en-US" sz="2800" b="0" i="1" u="sng">
+              <a:solidFill>
+                <a:srgbClr val="000000"/>
+              </a:solidFill>
+            </a:endParaRPr>
+          </a:p>
+          <a:p>
+            <a:endParaRPr lang="en-US" dirty="0"/>
+          </a:p>
+        </p:txBody>
+      </p:sp>
+      <p:sp>
+        <p:nvSpPr>
+          <p:cNvPr id="10" name="Unnamed Shape 20150624172013385915"/>
           <p:cNvSpPr txBox="1">
             <a:spLocks/>
           </p:cNvSpPr>
@@ -12323,7 +12331,7 @@
         <p:spPr>
           <a:xfrm>
             <a:off x="3048000" y="3189744"/>
-            <a:ext cx="6730560" cy="2677656"/>
+            <a:ext cx="6730560" cy="4339650"/>
           </a:xfrm>
           <a:prstGeom prst="rect">
             <a:avLst/>
@@ -12345,7 +12353,7 @@
           <a:p>
             <a:pPr lvl="0"/>
             <a:r>
-              <a:rPr lang="en-US">
+              <a:rPr lang="en-US" dirty="0">
                 <a:solidFill>
                   <a:prstClr val="black"/>
                 </a:solidFill>
@@ -12353,7 +12361,7 @@
               <a:t>Test</a:t>
             </a:r>
             <a:r>
-              <a:rPr lang="en-US" u="none">
+              <a:rPr lang="en-US" u="none" dirty="0">
                 <a:solidFill>
                   <a:prstClr val="black"/>
                 </a:solidFill>
@@ -12361,7 +12369,7 @@
               <a:t> </a:t>
             </a:r>
             <a:r>
-              <a:rPr lang="en-US" b="1" u="none">
+              <a:rPr lang="en-US" b="1" u="none" dirty="0">
                 <a:solidFill>
                   <a:prstClr val="black"/>
                 </a:solidFill>
@@ -12369,7 +12377,7 @@
               <a:t>text b</a:t>
             </a:r>
             <a:r>
-              <a:rPr lang="en-US" sz="9600" b="1" u="none">
+              <a:rPr lang="en-US" sz="9600" b="1" u="none" dirty="0">
                 <a:solidFill>
                   <a:srgbClr val="FF0000"/>
                 </a:solidFill>
@@ -12377,7 +12385,7 @@
               <a:t>o</a:t>
             </a:r>
             <a:r>
-              <a:rPr lang="en-US" b="1" u="none">
+              <a:rPr lang="en-US" b="1" u="none" dirty="0">
                 <a:solidFill>
                   <a:prstClr val="black"/>
                 </a:solidFill>
@@ -12385,7 +12393,7 @@
               <a:t>x </a:t>
             </a:r>
             <a:r>
-              <a:rPr lang="en-US" sz="1800" u="none">
+              <a:rPr lang="en-US" sz="1800" u="none" dirty="0">
                 <a:solidFill>
                   <a:prstClr val="black"/>
                 </a:solidFill>
@@ -12393,7 +12401,7 @@
               <a:t>with a</a:t>
             </a:r>
             <a:r>
-              <a:rPr lang="en-US" u="none">
+              <a:rPr lang="en-US" u="none" dirty="0">
                 <a:solidFill>
                   <a:prstClr val="black"/>
                 </a:solidFill>
@@ -12401,13 +12409,62 @@
               <a:t> lot of </a:t>
             </a:r>
             <a:r>
-              <a:rPr lang="en-US" sz="8800" b="1" u="none">
+              <a:rPr lang="en-US" sz="8800" b="1" u="none" dirty="0">
                 <a:solidFill>
                   <a:srgbClr val="FF0000"/>
                 </a:solidFill>
               </a:rPr>
               <a:t>text</a:t>
             </a:r>
+          </a:p>
+          <a:p>
+            <a:pPr lvl="0"/>
+            <a:r>
+              <a:rPr lang="en-US" u="none" dirty="0">
+                <a:solidFill>
+                  <a:prstClr val="black"/>
+                </a:solidFill>
+              </a:rPr>
+              <a:t>In </a:t>
+            </a:r>
+            <a:r>
+              <a:rPr lang="en-US" dirty="0">
+                <a:solidFill>
+                  <a:prstClr val="black"/>
+                </a:solidFill>
+                <a:latin typeface="Arial Black" pitchFamily="34" charset="0"/>
+              </a:rPr>
+              <a:t>multiple</a:t>
+            </a:r>
+            <a:r>
+              <a:rPr lang="en-US" u="none" dirty="0">
+                <a:solidFill>
+                  <a:prstClr val="black"/>
+                </a:solidFill>
+              </a:rPr>
+              <a:t>   </a:t>
+            </a:r>
+            <a:endParaRPr lang="en-US" u="none" dirty="0" smtClean="0">
+              <a:solidFill>
+                <a:prstClr val="black"/>
+              </a:solidFill>
+            </a:endParaRPr>
+          </a:p>
+          <a:p>
+            <a:pPr lvl="0"/>
+            <a:r>
+              <a:rPr lang="en-US" u="none" dirty="0" err="1" smtClean="0">
+                <a:solidFill>
+                  <a:prstClr val="black"/>
+                </a:solidFill>
+              </a:rPr>
+              <a:t>gaghahaa</a:t>
+            </a:r>
+            <a:endParaRPr lang="en-US" u="none" dirty="0">
+              <a:solidFill>
+                <a:prstClr val="black"/>
+              </a:solidFill>
+            </a:endParaRPr>
           </a:p>
           <a:p>
             <a:pPr marL="285750" lvl="0" indent="-285750">
@@ -12415,119 +12472,121 @@
               <a:buChar char="•"/>
             </a:pPr>
             <a:r>
-              <a:rPr lang="en-US" u="none">
+              <a:rPr lang="en-US" u="none" dirty="0" err="1" smtClean="0">
                 <a:solidFill>
                   <a:prstClr val="black"/>
                 </a:solidFill>
               </a:rPr>
-              <a:t>In </a:t>
-            </a:r>
-            <a:r>
-              <a:rPr lang="en-US">
+              <a:t>haha</a:t>
+            </a:r>
+            <a:endParaRPr lang="en-US" u="none" dirty="0" smtClean="0">
+              <a:solidFill>
+                <a:prstClr val="black"/>
+              </a:solidFill>
+            </a:endParaRPr>
+          </a:p>
+          <a:p>
+            <a:pPr marL="285750" lvl="0" indent="-285750">
+              <a:buFont typeface="Arial" pitchFamily="34" charset="0"/>
+              <a:buChar char="•"/>
+            </a:pPr>
+            <a:r>
+              <a:rPr lang="en-US" u="none" dirty="0" smtClean="0">
                 <a:solidFill>
                   <a:prstClr val="black"/>
                 </a:solidFill>
+              </a:rPr>
+              <a:t>   </a:t>
+            </a:r>
+            <a:r>
+              <a:rPr lang="en-US" u="none" dirty="0">
+                <a:solidFill>
+                  <a:srgbClr val="0070C0"/>
+                </a:solidFill>
+              </a:rPr>
+              <a:t>paragraphs</a:t>
+            </a:r>
+          </a:p>
+          <a:p>
+            <a:r>
+              <a:rPr lang="en-US" u="none" dirty="0">
+                <a:solidFill>
+                  <a:prstClr val="black"/>
+                </a:solidFill>
+              </a:rPr>
+              <a:t>With </a:t>
+            </a:r>
+            <a:r>
+              <a:rPr lang="en-US" b="1" u="none" dirty="0">
+                <a:solidFill>
+                  <a:srgbClr val="FF0000"/>
+                </a:solidFill>
+              </a:rPr>
+              <a:t>v</a:t>
+            </a:r>
+            <a:r>
+              <a:rPr lang="en-US" b="1" u="none" dirty="0">
+                <a:solidFill>
+                  <a:srgbClr val="FFC000"/>
+                </a:solidFill>
+              </a:rPr>
+              <a:t>a</a:t>
+            </a:r>
+            <a:r>
+              <a:rPr lang="en-US" b="1" u="none" dirty="0">
+                <a:solidFill>
+                  <a:srgbClr val="FFFF00"/>
+                </a:solidFill>
+              </a:rPr>
+              <a:t>r</a:t>
+            </a:r>
+            <a:r>
+              <a:rPr lang="en-US" b="1" u="none" dirty="0">
+                <a:solidFill>
+                  <a:srgbClr val="00B050"/>
+                </a:solidFill>
+              </a:rPr>
+              <a:t>y</a:t>
+            </a:r>
+            <a:r>
+              <a:rPr lang="en-US" b="1" u="none" dirty="0">
+                <a:solidFill>
+                  <a:srgbClr val="0070C0"/>
+                </a:solidFill>
+              </a:rPr>
+              <a:t>i</a:t>
+            </a:r>
+            <a:r>
+              <a:rPr lang="en-US" b="1" u="none" dirty="0">
+                <a:solidFill>
+                  <a:srgbClr val="7030A0"/>
+                </a:solidFill>
+              </a:rPr>
+              <a:t>n</a:t>
+            </a:r>
+            <a:r>
+              <a:rPr lang="en-US" b="1" u="none" dirty="0">
+                <a:solidFill>
+                  <a:srgbClr val="002060"/>
+                </a:solidFill>
+              </a:rPr>
+              <a:t>g</a:t>
+            </a:r>
+            <a:r>
+              <a:rPr lang="en-US" u="none" dirty="0">
+                <a:solidFill>
+                  <a:prstClr val="black"/>
+                </a:solidFill>
+              </a:rPr>
+              <a:t> </a:t>
+            </a:r>
+            <a:r>
+              <a:rPr lang="en-US" u="none" dirty="0">
+                <a:solidFill>
+                  <a:srgbClr val="00B050"/>
+                </a:solidFill>
                 <a:latin typeface="Arial Black" pitchFamily="34" charset="0"/>
               </a:rPr>
-              <a:t>multiple</a:t>
-            </a:r>
-            <a:r>
-              <a:rPr lang="en-US" u="none">
-                <a:solidFill>
-                  <a:prstClr val="black"/>
-                </a:solidFill>
-              </a:rPr>
-              <a:t>      </a:t>
-            </a:r>
-            <a:r>
-              <a:rPr lang="en-US" u="none">
-                <a:solidFill>
-                  <a:srgbClr val="0070C0"/>
-                </a:solidFill>
-              </a:rPr>
-              <a:t>paragraphs</a:t>
-            </a:r>
-          </a:p>
-          <a:p>
-            <a:r>
-              <a:rPr lang="en-US" u="none">
-                <a:solidFill>
-                  <a:prstClr val="black"/>
-                </a:solidFill>
-              </a:rPr>
-              <a:t>With </a:t>
-            </a:r>
-            <a:r>
-              <a:rPr lang="en-US" b="1" u="none">
-                <a:solidFill>
-                  <a:srgbClr val="FF0000"/>
-                </a:solidFill>
-              </a:rPr>
-              <a:t>v</a:t>
-            </a:r>
-            <a:r>
-              <a:rPr lang="en-US" b="1" u="none">
-                <a:solidFill>
-                  <a:srgbClr val="FFC000"/>
-                </a:solidFill>
-              </a:rPr>
-              <a:t>a</a:t>
-            </a:r>
-            <a:r>
-              <a:rPr lang="en-US" b="1" u="none">
-                <a:solidFill>
-                  <a:srgbClr val="FFFF00"/>
-                </a:solidFill>
-              </a:rPr>
-              <a:t>r</a:t>
-            </a:r>
-            <a:r>
-              <a:rPr lang="en-US" b="1" u="none">
-                <a:solidFill>
-                  <a:srgbClr val="00B050"/>
-                </a:solidFill>
-              </a:rPr>
-              <a:t>y</a:t>
-            </a:r>
-            <a:r>
-              <a:rPr lang="en-US" b="1" u="none">
-                <a:solidFill>
-                  <a:srgbClr val="0070C0"/>
-                </a:solidFill>
-              </a:rPr>
-              <a:t>i</a:t>
-            </a:r>
-            <a:r>
-              <a:rPr lang="en-US" b="1" u="none">
-                <a:solidFill>
-                  <a:srgbClr val="7030A0"/>
-                </a:solidFill>
-              </a:rPr>
-              <a:t>n</a:t>
-            </a:r>
-            <a:r>
-              <a:rPr lang="en-US" b="1" u="none">
-                <a:solidFill>
-                  <a:srgbClr val="002060"/>
-                </a:solidFill>
-              </a:rPr>
-              <a:t>g</a:t>
-            </a:r>
-            <a:r>
-              <a:rPr lang="en-US" u="none">
-                <a:solidFill>
-                  <a:prstClr val="black"/>
-                </a:solidFill>
-              </a:rPr>
-              <a:t> </a:t>
-            </a:r>
-            <a:r>
-              <a:rPr lang="en-US" u="none">
-                <a:solidFill>
-                  <a:srgbClr val="00B050"/>
-                </a:solidFill>
-                <a:latin typeface="Arial Black" pitchFamily="34" charset="0"/>
-              </a:rPr>
               <a:t>styles</a:t>
             </a:r>
             <a:endParaRPr lang="en-US" dirty="0"/>
@@ -12536,7 +12595,7 @@
       </p:sp>
       <p:sp>
         <p:nvSpPr>
-          <p:cNvPr id="19" name="Unnamed Shape 20150624172013387919"/>
+          <p:cNvPr id="11" name="Unnamed Shape 20150624172013387919"/>
           <p:cNvSpPr>
             <a:spLocks/>
           </p:cNvSpPr>
@@ -12581,7 +12640,7 @@
       </p:sp>
       <p:sp>
         <p:nvSpPr>
-          <p:cNvPr id="20" name="Unnamed Shape 20150624172013387920"/>
+          <p:cNvPr id="12" name="Unnamed Shape 20150624172013387920"/>
           <p:cNvSpPr>
             <a:spLocks/>
           </p:cNvSpPr>
@@ -12626,7 +12685,7 @@
       </p:sp>
       <p:sp>
         <p:nvSpPr>
-          <p:cNvPr id="21" name="Unnamed Shape 20150624172013388921"/>
+          <p:cNvPr id="13" name="Unnamed Shape 20150624172013388921"/>
           <p:cNvSpPr>
             <a:spLocks/>
           </p:cNvSpPr>
@@ -12671,7 +12730,7 @@
       </p:sp>
       <p:sp>
         <p:nvSpPr>
-          <p:cNvPr id="22" name="Unnamed Shape 20150624172013387916"/>
+          <p:cNvPr id="14" name="Unnamed Shape 20150624172013387916"/>
           <p:cNvSpPr>
             <a:spLocks/>
           </p:cNvSpPr>
@@ -12717,7 +12776,7 @@
     </p:spTree>
     <p:extLst>
       <p:ext uri="{BB962C8B-B14F-4D97-AF65-F5344CB8AC3E}">
-        <p14:creationId xmlns:p14="http://schemas.microsoft.com/office/powerpoint/2010/main" val="659308355"/>
+        <p14:creationId xmlns:p14="http://schemas.microsoft.com/office/powerpoint/2010/main" val="2403897829"/>
       </p:ext>
     </p:extLst>
   </p:cSld>
@@ -22124,7 +22183,7 @@
 
 <file path=ppt/slides/slide9.xml><?xml version="1.0" encoding="utf-8"?>
 <p:sld xmlns:a="http://schemas.openxmlformats.org/drawingml/2006/main" xmlns:r="http://schemas.openxmlformats.org/officeDocument/2006/relationships" xmlns:p="http://schemas.openxmlformats.org/presentationml/2006/main">
-  <p:cSld name="PptLabsAgenda_&amp;^@Bullet_&amp;^@Start_&amp;^@New Section_4">
+  <p:cSld name="PptLabsAgenda_&amp;^@Bullet_&amp;^@Start_&amp;^@Same Name_5">
     <p:spTree>
       <p:nvGrpSpPr>
         <p:cNvPr id="1" name=""/>
@@ -22141,7 +22200,7 @@
       </p:grpSpPr>
       <p:pic>
         <p:nvPicPr>
-          <p:cNvPr id="2" name="PPTIndicator201506241720142230"/>
+          <p:cNvPr id="2" name="PPTIndicator201506191628393686"/>
           <p:cNvPicPr>
             <a:picLocks/>
           </p:cNvPicPr>
@@ -22171,7 +22230,7 @@
       </p:pic>
       <p:sp>
         <p:nvSpPr>
-          <p:cNvPr id="5" name="Objects with same name"/>
+          <p:cNvPr id="14" name="Objects with same name"/>
           <p:cNvSpPr>
             <a:spLocks/>
           </p:cNvSpPr>
@@ -22216,7 +22275,7 @@
       </p:sp>
       <p:sp>
         <p:nvSpPr>
-          <p:cNvPr id="6" name="Unnamed Shape 20150624172013387917"/>
+          <p:cNvPr id="15" name="Unnamed Shape 20150624172013387917"/>
           <p:cNvSpPr>
             <a:spLocks/>
           </p:cNvSpPr>
@@ -22261,7 +22320,7 @@
       </p:sp>
       <p:sp>
         <p:nvSpPr>
-          <p:cNvPr id="7" name="Unnamed Shape 20150624172013387918"/>
+          <p:cNvPr id="16" name="Unnamed Shape 20150624172013387918"/>
           <p:cNvSpPr>
             <a:spLocks/>
           </p:cNvSpPr>
@@ -22306,7 +22365,7 @@
       </p:sp>
       <p:sp>
         <p:nvSpPr>
-          <p:cNvPr id="8" name="Unnamed Shape 20150624172013382914"/>
+          <p:cNvPr id="17" name="Unnamed Shape 20150624172013382914"/>
           <p:cNvSpPr>
             <a:spLocks/>
           </p:cNvSpPr>
@@ -22351,7 +22410,7 @@
       </p:sp>
       <p:sp>
         <p:nvSpPr>
-          <p:cNvPr id="9" name="PptLabsAgenda_&amp;^@ContentShape_&amp;^@2015061916283877850"/>
+          <p:cNvPr id="6" name="PptLabsAgenda_&amp;^@ContentShape_&amp;^@2015061916283877850"/>
           <p:cNvSpPr txBox="1">
             <a:spLocks/>
           </p:cNvSpPr>
@@ -22467,6 +22526,14 @@
           <a:p>
             <a:pPr lvl="0"/>
             <a:r>
+              <a:rPr lang="en-US" smtClean="0"/>
+              <a:t>New Section</a:t>
+            </a:r>
+            <a:endParaRPr lang="en-US"/>
+          </a:p>
+          <a:p>
+            <a:pPr lvl="0"/>
+            <a:r>
               <a:rPr lang="en-US" sz="4400" smtClean="0">
                 <a:solidFill>
                   <a:srgbClr val="1F497D">
@@ -22476,7 +22543,7 @@
                 </a:solidFill>
                 <a:latin typeface="Arial Black" pitchFamily="34" charset="0"/>
               </a:rPr>
-              <a:t>New Section</a:t>
+              <a:t>Same Name</a:t>
             </a:r>
             <a:endParaRPr lang="en-US" sz="4400">
               <a:solidFill>
@@ -22496,7 +22563,7 @@
                   <a:srgbClr val="000000"/>
                 </a:solidFill>
               </a:rPr>
-              <a:t>Same Name</a:t>
+              <a:t>New Section</a:t>
             </a:r>
             <a:endParaRPr lang="en-US" sz="2800" b="0" i="1" u="sng">
               <a:solidFill>
@@ -22507,12 +22574,20 @@
           <a:p>
             <a:pPr lvl="0"/>
             <a:r>
+              <a:rPr lang="ja-JP" altLang="en-US" sz="2800" b="0" i="1" u="sng" smtClean="0">
+                <a:solidFill>
+                  <a:srgbClr val="000000"/>
+                </a:solidFill>
+              </a:rPr>
+              <a:t>あいうえお</a:t>
+            </a:r>
+            <a:r>
               <a:rPr lang="en-US" sz="2800" b="0" i="1" u="sng" smtClean="0">
                 <a:solidFill>
                   <a:srgbClr val="000000"/>
                 </a:solidFill>
               </a:rPr>
-              <a:t>New Section</a:t>
+              <a:t>kl)(*&amp;%$#@85v_+)0_@#%L:CF]1</a:t>
             </a:r>
             <a:endParaRPr lang="en-US" sz="2800" b="0" i="1" u="sng">
               <a:solidFill>
@@ -22521,37 +22596,13 @@
             </a:endParaRPr>
           </a:p>
           <a:p>
-            <a:pPr lvl="0"/>
-            <a:r>
-              <a:rPr lang="ja-JP" altLang="en-US" sz="2800" b="0" i="1" u="sng" smtClean="0">
-                <a:solidFill>
-                  <a:srgbClr val="000000"/>
-                </a:solidFill>
-              </a:rPr>
-              <a:t>あいうえお</a:t>
-            </a:r>
-            <a:r>
-              <a:rPr lang="en-US" sz="2800" b="0" i="1" u="sng" smtClean="0">
-                <a:solidFill>
-                  <a:srgbClr val="000000"/>
-                </a:solidFill>
-              </a:rPr>
-              <a:t>kl)(*&amp;%$#@85v_+)0_@#%L:CF]1</a:t>
-            </a:r>
-            <a:endParaRPr lang="en-US" sz="2800" b="0" i="1" u="sng">
-              <a:solidFill>
-                <a:srgbClr val="000000"/>
-              </a:solidFill>
-            </a:endParaRPr>
-          </a:p>
-          <a:p>
-            <a:endParaRPr lang="en-US" dirty="0"/>
-          </a:p>
-        </p:txBody>
-      </p:sp>
-      <p:sp>
-        <p:nvSpPr>
-          <p:cNvPr id="10" name="Unnamed Shape 20150624172013385915"/>
+            <a:endParaRPr lang="en-US"/>
+          </a:p>
+        </p:txBody>
+      </p:sp>
+      <p:sp>
+        <p:nvSpPr>
+          <p:cNvPr id="18" name="Unnamed Shape 20150624172013385915"/>
           <p:cNvSpPr txBox="1">
             <a:spLocks/>
           </p:cNvSpPr>
@@ -22560,7 +22611,7 @@
         <p:spPr>
           <a:xfrm>
             <a:off x="3048000" y="3189744"/>
-            <a:ext cx="6730560" cy="4339650"/>
+            <a:ext cx="6730560" cy="2677656"/>
           </a:xfrm>
           <a:prstGeom prst="rect">
             <a:avLst/>
@@ -22582,7 +22633,7 @@
           <a:p>
             <a:pPr lvl="0"/>
             <a:r>
-              <a:rPr lang="en-US" dirty="0">
+              <a:rPr lang="en-US">
                 <a:solidFill>
                   <a:prstClr val="black"/>
                 </a:solidFill>
@@ -22590,7 +22641,7 @@
               <a:t>Test</a:t>
             </a:r>
             <a:r>
-              <a:rPr lang="en-US" u="none" dirty="0">
+              <a:rPr lang="en-US" u="none">
                 <a:solidFill>
                   <a:prstClr val="black"/>
                 </a:solidFill>
@@ -22598,7 +22649,7 @@
               <a:t> </a:t>
             </a:r>
             <a:r>
-              <a:rPr lang="en-US" b="1" u="none" dirty="0">
+              <a:rPr lang="en-US" b="1" u="none">
                 <a:solidFill>
                   <a:prstClr val="black"/>
                 </a:solidFill>
@@ -22606,7 +22657,7 @@
               <a:t>text b</a:t>
             </a:r>
             <a:r>
-              <a:rPr lang="en-US" sz="9600" b="1" u="none" dirty="0">
+              <a:rPr lang="en-US" sz="9600" b="1" u="none">
                 <a:solidFill>
                   <a:srgbClr val="FF0000"/>
                 </a:solidFill>
@@ -22614,7 +22665,7 @@
               <a:t>o</a:t>
             </a:r>
             <a:r>
-              <a:rPr lang="en-US" b="1" u="none" dirty="0">
+              <a:rPr lang="en-US" b="1" u="none">
                 <a:solidFill>
                   <a:prstClr val="black"/>
                 </a:solidFill>
@@ -22622,7 +22673,7 @@
               <a:t>x </a:t>
             </a:r>
             <a:r>
-              <a:rPr lang="en-US" sz="1800" u="none" dirty="0">
+              <a:rPr lang="en-US" sz="1800" u="none">
                 <a:solidFill>
                   <a:prstClr val="black"/>
                 </a:solidFill>
@@ -22630,7 +22681,7 @@
               <a:t>with a</a:t>
             </a:r>
             <a:r>
-              <a:rPr lang="en-US" u="none" dirty="0">
+              <a:rPr lang="en-US" u="none">
                 <a:solidFill>
                   <a:prstClr val="black"/>
                 </a:solidFill>
@@ -22638,62 +22689,13 @@
               <a:t> lot of </a:t>
             </a:r>
             <a:r>
-              <a:rPr lang="en-US" sz="8800" b="1" u="none" dirty="0">
+              <a:rPr lang="en-US" sz="8800" b="1" u="none">
                 <a:solidFill>
                   <a:srgbClr val="FF0000"/>
                 </a:solidFill>
               </a:rPr>
               <a:t>text</a:t>
             </a:r>
-          </a:p>
-          <a:p>
-            <a:pPr lvl="0"/>
-            <a:r>
-              <a:rPr lang="en-US" u="none" dirty="0">
-                <a:solidFill>
-                  <a:prstClr val="black"/>
-                </a:solidFill>
-              </a:rPr>
-              <a:t>In </a:t>
-            </a:r>
-            <a:r>
-              <a:rPr lang="en-US" dirty="0">
-                <a:solidFill>
-                  <a:prstClr val="black"/>
-                </a:solidFill>
-                <a:latin typeface="Arial Black" pitchFamily="34" charset="0"/>
-              </a:rPr>
-              <a:t>multiple</a:t>
-            </a:r>
-            <a:r>
-              <a:rPr lang="en-US" u="none" dirty="0">
-                <a:solidFill>
-                  <a:prstClr val="black"/>
-                </a:solidFill>
-              </a:rPr>
-              <a:t>   </a:t>
-            </a:r>
-            <a:endParaRPr lang="en-US" u="none" dirty="0" smtClean="0">
-              <a:solidFill>
-                <a:prstClr val="black"/>
-              </a:solidFill>
-            </a:endParaRPr>
-          </a:p>
-          <a:p>
-            <a:pPr lvl="0"/>
-            <a:r>
-              <a:rPr lang="en-US" u="none" dirty="0" err="1" smtClean="0">
-                <a:solidFill>
-                  <a:prstClr val="black"/>
-                </a:solidFill>
-              </a:rPr>
-              <a:t>gaghahaa</a:t>
-            </a:r>
-            <a:endParaRPr lang="en-US" u="none" dirty="0">
-              <a:solidFill>
-                <a:prstClr val="black"/>
-              </a:solidFill>
-            </a:endParaRPr>
           </a:p>
           <a:p>
             <a:pPr marL="285750" lvl="0" indent="-285750">
@@ -22701,34 +22703,32 @@
               <a:buChar char="•"/>
             </a:pPr>
             <a:r>
-              <a:rPr lang="en-US" u="none" dirty="0" err="1" smtClean="0">
+              <a:rPr lang="en-US" u="none">
                 <a:solidFill>
                   <a:prstClr val="black"/>
                 </a:solidFill>
               </a:rPr>
-              <a:t>haha</a:t>
-            </a:r>
-            <a:endParaRPr lang="en-US" u="none" dirty="0" smtClean="0">
-              <a:solidFill>
-                <a:prstClr val="black"/>
-              </a:solidFill>
-            </a:endParaRPr>
-          </a:p>
-          <a:p>
-            <a:pPr marL="285750" lvl="0" indent="-285750">
-              <a:buFont typeface="Arial" pitchFamily="34" charset="0"/>
-              <a:buChar char="•"/>
-            </a:pPr>
-            <a:r>
-              <a:rPr lang="en-US" u="none" dirty="0" smtClean="0">
+              <a:t>In </a:t>
+            </a:r>
+            <a:r>
+              <a:rPr lang="en-US">
                 <a:solidFill>
                   <a:prstClr val="black"/>
                 </a:solidFill>
-              </a:rPr>
-              <a:t>   </a:t>
-            </a:r>
-            <a:r>
-              <a:rPr lang="en-US" u="none" dirty="0">
+                <a:latin typeface="Arial Black" pitchFamily="34" charset="0"/>
+              </a:rPr>
+              <a:t>multiple</a:t>
+            </a:r>
+            <a:r>
+              <a:rPr lang="en-US" u="none">
+                <a:solidFill>
+                  <a:prstClr val="black"/>
+                </a:solidFill>
+              </a:rPr>
+              <a:t>      </a:t>
+            </a:r>
+            <a:r>
+              <a:rPr lang="en-US" u="none">
                 <a:solidFill>
                   <a:srgbClr val="0070C0"/>
                 </a:solidFill>
@@ -22738,7 +22738,7 @@
           </a:p>
           <a:p>
             <a:r>
-              <a:rPr lang="en-US" u="none" dirty="0">
+              <a:rPr lang="en-US" u="none">
                 <a:solidFill>
                   <a:prstClr val="black"/>
                 </a:solidFill>
@@ -22746,7 +22746,7 @@
               <a:t>With </a:t>
             </a:r>
             <a:r>
-              <a:rPr lang="en-US" b="1" u="none" dirty="0">
+              <a:rPr lang="en-US" b="1" u="none">
                 <a:solidFill>
                   <a:srgbClr val="FF0000"/>
                 </a:solidFill>
@@ -22754,7 +22754,7 @@
               <a:t>v</a:t>
             </a:r>
             <a:r>
-              <a:rPr lang="en-US" b="1" u="none" dirty="0">
+              <a:rPr lang="en-US" b="1" u="none">
                 <a:solidFill>
                   <a:srgbClr val="FFC000"/>
                 </a:solidFill>
@@ -22762,7 +22762,7 @@
               <a:t>a</a:t>
             </a:r>
             <a:r>
-              <a:rPr lang="en-US" b="1" u="none" dirty="0">
+              <a:rPr lang="en-US" b="1" u="none">
                 <a:solidFill>
                   <a:srgbClr val="FFFF00"/>
                 </a:solidFill>
@@ -22770,7 +22770,7 @@
               <a:t>r</a:t>
             </a:r>
             <a:r>
-              <a:rPr lang="en-US" b="1" u="none" dirty="0">
+              <a:rPr lang="en-US" b="1" u="none">
                 <a:solidFill>
                   <a:srgbClr val="00B050"/>
                 </a:solidFill>
@@ -22778,7 +22778,7 @@
               <a:t>y</a:t>
             </a:r>
             <a:r>
-              <a:rPr lang="en-US" b="1" u="none" dirty="0">
+              <a:rPr lang="en-US" b="1" u="none">
                 <a:solidFill>
                   <a:srgbClr val="0070C0"/>
                 </a:solidFill>
@@ -22786,7 +22786,7 @@
               <a:t>i</a:t>
             </a:r>
             <a:r>
-              <a:rPr lang="en-US" b="1" u="none" dirty="0">
+              <a:rPr lang="en-US" b="1" u="none">
                 <a:solidFill>
                   <a:srgbClr val="7030A0"/>
                 </a:solidFill>
@@ -22794,7 +22794,7 @@
               <a:t>n</a:t>
             </a:r>
             <a:r>
-              <a:rPr lang="en-US" b="1" u="none" dirty="0">
+              <a:rPr lang="en-US" b="1" u="none">
                 <a:solidFill>
                   <a:srgbClr val="002060"/>
                 </a:solidFill>
@@ -22802,7 +22802,7 @@
               <a:t>g</a:t>
             </a:r>
             <a:r>
-              <a:rPr lang="en-US" u="none" dirty="0">
+              <a:rPr lang="en-US" u="none">
                 <a:solidFill>
                   <a:prstClr val="black"/>
                 </a:solidFill>
@@ -22810,7 +22810,7 @@
               <a:t> </a:t>
             </a:r>
             <a:r>
-              <a:rPr lang="en-US" u="none" dirty="0">
+              <a:rPr lang="en-US" u="none">
                 <a:solidFill>
                   <a:srgbClr val="00B050"/>
                 </a:solidFill>
@@ -22824,7 +22824,7 @@
       </p:sp>
       <p:sp>
         <p:nvSpPr>
-          <p:cNvPr id="11" name="Unnamed Shape 20150624172013387919"/>
+          <p:cNvPr id="19" name="Unnamed Shape 20150624172013387919"/>
           <p:cNvSpPr>
             <a:spLocks/>
           </p:cNvSpPr>
@@ -22869,7 +22869,7 @@
       </p:sp>
       <p:sp>
         <p:nvSpPr>
-          <p:cNvPr id="12" name="Unnamed Shape 20150624172013387920"/>
+          <p:cNvPr id="20" name="Unnamed Shape 20150624172013387920"/>
           <p:cNvSpPr>
             <a:spLocks/>
           </p:cNvSpPr>
@@ -22914,7 +22914,7 @@
       </p:sp>
       <p:sp>
         <p:nvSpPr>
-          <p:cNvPr id="13" name="Unnamed Shape 20150624172013388921"/>
+          <p:cNvPr id="21" name="Unnamed Shape 20150624172013388921"/>
           <p:cNvSpPr>
             <a:spLocks/>
           </p:cNvSpPr>
@@ -22959,7 +22959,7 @@
       </p:sp>
       <p:sp>
         <p:nvSpPr>
-          <p:cNvPr id="14" name="Unnamed Shape 20150624172013387916"/>
+          <p:cNvPr id="22" name="Unnamed Shape 20150624172013387916"/>
           <p:cNvSpPr>
             <a:spLocks/>
           </p:cNvSpPr>
@@ -23005,7 +23005,7 @@
     </p:spTree>
     <p:extLst>
       <p:ext uri="{BB962C8B-B14F-4D97-AF65-F5344CB8AC3E}">
-        <p14:creationId xmlns:p14="http://schemas.microsoft.com/office/powerpoint/2010/main" val="2403897829"/>
+        <p14:creationId xmlns:p14="http://schemas.microsoft.com/office/powerpoint/2010/main" val="659308355"/>
       </p:ext>
     </p:extLst>
   </p:cSld>
